--- a/cits1003-lecture_slides/CITS1003-A CI & CPS.pptx
+++ b/cits1003-lecture_slides/CITS1003-A CI & CPS.pptx
@@ -5,7 +5,7 @@
     <p:sldMasterId id="2147483763" r:id="rId1"/>
   </p:sldMasterIdLst>
   <p:notesMasterIdLst>
-    <p:notesMasterId r:id="rId28"/>
+    <p:notesMasterId r:id="rId27"/>
   </p:notesMasterIdLst>
   <p:sldIdLst>
     <p:sldId id="256" r:id="rId2"/>
@@ -25,15 +25,14 @@
     <p:sldId id="320" r:id="rId16"/>
     <p:sldId id="322" r:id="rId17"/>
     <p:sldId id="319" r:id="rId18"/>
-    <p:sldId id="321" r:id="rId19"/>
-    <p:sldId id="323" r:id="rId20"/>
-    <p:sldId id="324" r:id="rId21"/>
-    <p:sldId id="325" r:id="rId22"/>
-    <p:sldId id="326" r:id="rId23"/>
-    <p:sldId id="327" r:id="rId24"/>
-    <p:sldId id="328" r:id="rId25"/>
-    <p:sldId id="329" r:id="rId26"/>
-    <p:sldId id="330" r:id="rId27"/>
+    <p:sldId id="323" r:id="rId19"/>
+    <p:sldId id="324" r:id="rId20"/>
+    <p:sldId id="325" r:id="rId21"/>
+    <p:sldId id="326" r:id="rId22"/>
+    <p:sldId id="327" r:id="rId23"/>
+    <p:sldId id="328" r:id="rId24"/>
+    <p:sldId id="329" r:id="rId25"/>
+    <p:sldId id="330" r:id="rId26"/>
   </p:sldIdLst>
   <p:sldSz cx="12192000" cy="6858000"/>
   <p:notesSz cx="6858000" cy="9144000"/>
@@ -154,6 +153,46 @@
 
 <file path=ppt/changesInfos/changesInfo1.xml><?xml version="1.0" encoding="utf-8"?>
 <pc:chgInfo xmlns:a="http://schemas.openxmlformats.org/drawingml/2006/main" xmlns:r="http://schemas.openxmlformats.org/officeDocument/2006/relationships" xmlns:ac="http://schemas.microsoft.com/office/drawing/2013/main/command" xmlns:pc="http://schemas.microsoft.com/office/powerpoint/2013/main/command">
+  <pc:docChgLst>
+    <pc:chgData name="Robert McKnight" userId="d5c7fb24-67df-49c0-a0e8-7fe946ae099c" providerId="ADAL" clId="{AFF91A74-F1B3-4BED-91FE-B04B3354A40F}"/>
+    <pc:docChg chg="delSld">
+      <pc:chgData name="Robert McKnight" userId="d5c7fb24-67df-49c0-a0e8-7fe946ae099c" providerId="ADAL" clId="{AFF91A74-F1B3-4BED-91FE-B04B3354A40F}" dt="2025-04-09T05:58:48.441" v="0" actId="47"/>
+      <pc:docMkLst>
+        <pc:docMk/>
+      </pc:docMkLst>
+      <pc:sldChg chg="del">
+        <pc:chgData name="Robert McKnight" userId="d5c7fb24-67df-49c0-a0e8-7fe946ae099c" providerId="ADAL" clId="{AFF91A74-F1B3-4BED-91FE-B04B3354A40F}" dt="2025-04-09T05:58:48.441" v="0" actId="47"/>
+        <pc:sldMkLst>
+          <pc:docMk/>
+          <pc:sldMk cId="1622938597" sldId="321"/>
+        </pc:sldMkLst>
+      </pc:sldChg>
+    </pc:docChg>
+  </pc:docChgLst>
+  <pc:docChgLst>
+    <pc:chgData name="Robert McKnight" userId="d5c7fb24-67df-49c0-a0e8-7fe946ae099c" providerId="ADAL" clId="{6E940D9C-11B2-406D-BD91-A58FA5578330}"/>
+    <pc:docChg chg="modSld">
+      <pc:chgData name="Robert McKnight" userId="d5c7fb24-67df-49c0-a0e8-7fe946ae099c" providerId="ADAL" clId="{6E940D9C-11B2-406D-BD91-A58FA5578330}" dt="2024-12-02T01:04:33.171" v="4" actId="20577"/>
+      <pc:docMkLst>
+        <pc:docMk/>
+      </pc:docMkLst>
+      <pc:sldChg chg="modSp mod">
+        <pc:chgData name="Robert McKnight" userId="d5c7fb24-67df-49c0-a0e8-7fe946ae099c" providerId="ADAL" clId="{6E940D9C-11B2-406D-BD91-A58FA5578330}" dt="2024-12-02T01:04:33.171" v="4" actId="20577"/>
+        <pc:sldMkLst>
+          <pc:docMk/>
+          <pc:sldMk cId="1077586671" sldId="256"/>
+        </pc:sldMkLst>
+        <pc:spChg chg="mod">
+          <ac:chgData name="Robert McKnight" userId="d5c7fb24-67df-49c0-a0e8-7fe946ae099c" providerId="ADAL" clId="{6E940D9C-11B2-406D-BD91-A58FA5578330}" dt="2024-12-02T01:04:33.171" v="4" actId="20577"/>
+          <ac:spMkLst>
+            <pc:docMk/>
+            <pc:sldMk cId="1077586671" sldId="256"/>
+            <ac:spMk id="2" creationId="{A7F2B5DE-6445-CC49-9F8E-7C9072991AF6}"/>
+          </ac:spMkLst>
+        </pc:spChg>
+      </pc:sldChg>
+    </pc:docChg>
+  </pc:docChgLst>
   <pc:docChgLst>
     <pc:chgData name="Robert McKnight" userId="d5c7fb24-67df-49c0-a0e8-7fe946ae099c" providerId="ADAL" clId="{2D375C17-57AE-46CE-BD3F-09C29EE5273C}"/>
     <pc:docChg chg="addSld modSld">
@@ -3396,7 +3435,7 @@
           <a:p>
             <a:fld id="{6D6D7260-B7E4-B548-BD1F-84ED14536037}" type="datetimeFigureOut">
               <a:rPr lang="en-AU" smtClean="0"/>
-              <a:t>15/08/2024</a:t>
+              <a:t>7/04/2025</a:t>
             </a:fld>
             <a:endParaRPr lang="en-AU"/>
           </a:p>
@@ -4494,7 +4533,7 @@
     </p:spTree>
     <p:extLst>
       <p:ext uri="{BB962C8B-B14F-4D97-AF65-F5344CB8AC3E}">
-        <p14:creationId xmlns:p14="http://schemas.microsoft.com/office/powerpoint/2010/main" val="1550845461"/>
+        <p14:creationId xmlns:p14="http://schemas.microsoft.com/office/powerpoint/2010/main" val="2650671941"/>
       </p:ext>
     </p:extLst>
   </p:cSld>
@@ -4578,7 +4617,7 @@
     </p:spTree>
     <p:extLst>
       <p:ext uri="{BB962C8B-B14F-4D97-AF65-F5344CB8AC3E}">
-        <p14:creationId xmlns:p14="http://schemas.microsoft.com/office/powerpoint/2010/main" val="2650671941"/>
+        <p14:creationId xmlns:p14="http://schemas.microsoft.com/office/powerpoint/2010/main" val="4164916719"/>
       </p:ext>
     </p:extLst>
   </p:cSld>
@@ -4746,7 +4785,7 @@
     </p:spTree>
     <p:extLst>
       <p:ext uri="{BB962C8B-B14F-4D97-AF65-F5344CB8AC3E}">
-        <p14:creationId xmlns:p14="http://schemas.microsoft.com/office/powerpoint/2010/main" val="4164916719"/>
+        <p14:creationId xmlns:p14="http://schemas.microsoft.com/office/powerpoint/2010/main" val="818747615"/>
       </p:ext>
     </p:extLst>
   </p:cSld>
@@ -4830,7 +4869,7 @@
     </p:spTree>
     <p:extLst>
       <p:ext uri="{BB962C8B-B14F-4D97-AF65-F5344CB8AC3E}">
-        <p14:creationId xmlns:p14="http://schemas.microsoft.com/office/powerpoint/2010/main" val="818747615"/>
+        <p14:creationId xmlns:p14="http://schemas.microsoft.com/office/powerpoint/2010/main" val="421067227"/>
       </p:ext>
     </p:extLst>
   </p:cSld>
@@ -4914,7 +4953,7 @@
     </p:spTree>
     <p:extLst>
       <p:ext uri="{BB962C8B-B14F-4D97-AF65-F5344CB8AC3E}">
-        <p14:creationId xmlns:p14="http://schemas.microsoft.com/office/powerpoint/2010/main" val="421067227"/>
+        <p14:creationId xmlns:p14="http://schemas.microsoft.com/office/powerpoint/2010/main" val="863644059"/>
       </p:ext>
     </p:extLst>
   </p:cSld>
@@ -4998,7 +5037,7 @@
     </p:spTree>
     <p:extLst>
       <p:ext uri="{BB962C8B-B14F-4D97-AF65-F5344CB8AC3E}">
-        <p14:creationId xmlns:p14="http://schemas.microsoft.com/office/powerpoint/2010/main" val="863644059"/>
+        <p14:creationId xmlns:p14="http://schemas.microsoft.com/office/powerpoint/2010/main" val="2287522455"/>
       </p:ext>
     </p:extLst>
   </p:cSld>
@@ -5074,90 +5113,6 @@
             <a:fld id="{DF030C05-EF6C-9847-8923-580D76870F8E}" type="slidenum">
               <a:rPr lang="en-AU" smtClean="0"/>
               <a:t>24</a:t>
-            </a:fld>
-            <a:endParaRPr lang="en-AU"/>
-          </a:p>
-        </p:txBody>
-      </p:sp>
-    </p:spTree>
-    <p:extLst>
-      <p:ext uri="{BB962C8B-B14F-4D97-AF65-F5344CB8AC3E}">
-        <p14:creationId xmlns:p14="http://schemas.microsoft.com/office/powerpoint/2010/main" val="2287522455"/>
-      </p:ext>
-    </p:extLst>
-  </p:cSld>
-  <p:clrMapOvr>
-    <a:masterClrMapping/>
-  </p:clrMapOvr>
-</p:notes>
-</file>
-
-<file path=ppt/notesSlides/notesSlide25.xml><?xml version="1.0" encoding="utf-8"?>
-<p:notes xmlns:a="http://schemas.openxmlformats.org/drawingml/2006/main" xmlns:r="http://schemas.openxmlformats.org/officeDocument/2006/relationships" xmlns:p="http://schemas.openxmlformats.org/presentationml/2006/main">
-  <p:cSld>
-    <p:spTree>
-      <p:nvGrpSpPr>
-        <p:cNvPr id="1" name=""/>
-        <p:cNvGrpSpPr/>
-        <p:nvPr/>
-      </p:nvGrpSpPr>
-      <p:grpSpPr>
-        <a:xfrm>
-          <a:off x="0" y="0"/>
-          <a:ext cx="0" cy="0"/>
-          <a:chOff x="0" y="0"/>
-          <a:chExt cx="0" cy="0"/>
-        </a:xfrm>
-      </p:grpSpPr>
-      <p:sp>
-        <p:nvSpPr>
-          <p:cNvPr id="2" name="Slide Image Placeholder 1"/>
-          <p:cNvSpPr>
-            <a:spLocks noGrp="1" noRot="1" noChangeAspect="1"/>
-          </p:cNvSpPr>
-          <p:nvPr>
-            <p:ph type="sldImg"/>
-          </p:nvPr>
-        </p:nvSpPr>
-        <p:spPr/>
-      </p:sp>
-      <p:sp>
-        <p:nvSpPr>
-          <p:cNvPr id="3" name="Notes Placeholder 2"/>
-          <p:cNvSpPr>
-            <a:spLocks noGrp="1"/>
-          </p:cNvSpPr>
-          <p:nvPr>
-            <p:ph type="body" idx="1"/>
-          </p:nvPr>
-        </p:nvSpPr>
-        <p:spPr/>
-        <p:txBody>
-          <a:bodyPr/>
-          <a:lstStyle/>
-          <a:p>
-            <a:endParaRPr lang="en-AU"/>
-          </a:p>
-        </p:txBody>
-      </p:sp>
-      <p:sp>
-        <p:nvSpPr>
-          <p:cNvPr id="4" name="Slide Number Placeholder 3"/>
-          <p:cNvSpPr>
-            <a:spLocks noGrp="1"/>
-          </p:cNvSpPr>
-          <p:nvPr>
-            <p:ph type="sldNum" sz="quarter" idx="5"/>
-          </p:nvPr>
-        </p:nvSpPr>
-        <p:spPr/>
-        <p:txBody>
-          <a:bodyPr/>
-          <a:lstStyle/>
-          <a:p>
-            <a:fld id="{DF030C05-EF6C-9847-8923-580D76870F8E}" type="slidenum">
-              <a:rPr lang="en-AU" smtClean="0"/>
-              <a:t>25</a:t>
             </a:fld>
             <a:endParaRPr lang="en-AU"/>
           </a:p>
@@ -5949,7 +5904,7 @@
           <a:p>
             <a:fld id="{88D38747-4367-4BD2-8D51-C97E202738E2}" type="datetime1">
               <a:rPr lang="en-US" smtClean="0"/>
-              <a:t>8/15/2024</a:t>
+              <a:t>4/7/2025</a:t>
             </a:fld>
             <a:endParaRPr lang="en-US" dirty="0"/>
           </a:p>
@@ -6254,7 +6209,7 @@
           <a:p>
             <a:fld id="{11F1B079-7EF0-44EE-B798-BCC497C9F3B2}" type="datetime1">
               <a:rPr lang="en-US" smtClean="0"/>
-              <a:t>8/15/2024</a:t>
+              <a:t>4/7/2025</a:t>
             </a:fld>
             <a:endParaRPr lang="en-US" dirty="0"/>
           </a:p>
@@ -6448,7 +6403,7 @@
           <a:p>
             <a:fld id="{28FF70A8-1D13-4657-95F0-A9EA54967B8D}" type="datetime1">
               <a:rPr lang="en-US" smtClean="0"/>
-              <a:t>8/15/2024</a:t>
+              <a:t>4/7/2025</a:t>
             </a:fld>
             <a:endParaRPr lang="en-US" dirty="0"/>
           </a:p>
@@ -6711,7 +6666,7 @@
           <a:p>
             <a:fld id="{21EB90AC-71BD-4C7F-8ACA-7B3F18292E63}" type="datetime1">
               <a:rPr lang="en-US" smtClean="0"/>
-              <a:t>8/15/2024</a:t>
+              <a:t>4/7/2025</a:t>
             </a:fld>
             <a:endParaRPr lang="en-US" dirty="0"/>
           </a:p>
@@ -7147,7 +7102,7 @@
           <a:p>
             <a:fld id="{4E6EFC2C-8905-46F0-B443-CE905B76BA01}" type="datetime1">
               <a:rPr lang="en-US" smtClean="0"/>
-              <a:t>8/15/2024</a:t>
+              <a:t>4/7/2025</a:t>
             </a:fld>
             <a:endParaRPr lang="en-US" dirty="0"/>
           </a:p>
@@ -7684,7 +7639,7 @@
           <a:p>
             <a:fld id="{D9079DC3-C9B5-499E-9140-0DC28B7074E2}" type="datetime1">
               <a:rPr lang="en-US" smtClean="0"/>
-              <a:t>8/15/2024</a:t>
+              <a:t>4/7/2025</a:t>
             </a:fld>
             <a:endParaRPr lang="en-US" dirty="0"/>
           </a:p>
@@ -8566,7 +8521,7 @@
           <a:p>
             <a:fld id="{30BB33EA-E472-4D22-9C03-A9C14AA21CED}" type="datetime1">
               <a:rPr lang="en-US" smtClean="0"/>
-              <a:t>8/15/2024</a:t>
+              <a:t>4/7/2025</a:t>
             </a:fld>
             <a:endParaRPr lang="en-US" dirty="0"/>
           </a:p>
@@ -8736,7 +8691,7 @@
           <a:p>
             <a:fld id="{217E833E-1B6D-415F-AD29-75AE8C43BD0D}" type="datetime1">
               <a:rPr lang="en-US" smtClean="0"/>
-              <a:t>8/15/2024</a:t>
+              <a:t>4/7/2025</a:t>
             </a:fld>
             <a:endParaRPr lang="en-US" dirty="0"/>
           </a:p>
@@ -8920,7 +8875,7 @@
           <a:p>
             <a:fld id="{8452596F-08A7-4B70-989A-F2B1CF31E66B}" type="datetime1">
               <a:rPr lang="en-US" smtClean="0"/>
-              <a:t>8/15/2024</a:t>
+              <a:t>4/7/2025</a:t>
             </a:fld>
             <a:endParaRPr lang="en-US" dirty="0"/>
           </a:p>
@@ -9090,7 +9045,7 @@
           <a:p>
             <a:fld id="{73C55A3C-5767-4844-A0A3-83778C2E5409}" type="datetime1">
               <a:rPr lang="en-US" smtClean="0"/>
-              <a:t>8/15/2024</a:t>
+              <a:t>4/7/2025</a:t>
             </a:fld>
             <a:endParaRPr lang="en-US" dirty="0"/>
           </a:p>
@@ -9334,7 +9289,7 @@
           <a:p>
             <a:fld id="{CAE507A8-A5CF-4D38-AB86-7EDDA87A85D4}" type="datetime1">
               <a:rPr lang="en-US" smtClean="0"/>
-              <a:t>8/15/2024</a:t>
+              <a:t>4/7/2025</a:t>
             </a:fld>
             <a:endParaRPr lang="en-US" dirty="0"/>
           </a:p>
@@ -9576,7 +9531,7 @@
           <a:p>
             <a:fld id="{BDFCD27C-8599-43EF-BA1D-14DDC1946E06}" type="datetime1">
               <a:rPr lang="en-US" smtClean="0"/>
-              <a:t>8/15/2024</a:t>
+              <a:t>4/7/2025</a:t>
             </a:fld>
             <a:endParaRPr lang="en-US" dirty="0"/>
           </a:p>
@@ -10057,7 +10012,7 @@
           <a:p>
             <a:fld id="{49343D99-809A-49C0-96E5-4250D0B498EE}" type="datetime1">
               <a:rPr lang="en-US" smtClean="0"/>
-              <a:t>8/15/2024</a:t>
+              <a:t>4/7/2025</a:t>
             </a:fld>
             <a:endParaRPr lang="en-US" dirty="0"/>
           </a:p>
@@ -10175,7 +10130,7 @@
           <a:p>
             <a:fld id="{A143DE9B-B678-4EFB-BB7D-A4370204A0B0}" type="datetime1">
               <a:rPr lang="en-US" smtClean="0"/>
-              <a:t>8/15/2024</a:t>
+              <a:t>4/7/2025</a:t>
             </a:fld>
             <a:endParaRPr lang="en-US" dirty="0"/>
           </a:p>
@@ -10270,7 +10225,7 @@
           <a:p>
             <a:fld id="{E68812DA-F765-4142-A6A3-A8ED7235E082}" type="datetime1">
               <a:rPr lang="en-US" smtClean="0"/>
-              <a:t>8/15/2024</a:t>
+              <a:t>4/7/2025</a:t>
             </a:fld>
             <a:endParaRPr lang="en-US" dirty="0"/>
           </a:p>
@@ -10525,7 +10480,7 @@
           <a:p>
             <a:fld id="{3E0277FD-7DE6-41D4-930D-AC99F5AFE54E}" type="datetime1">
               <a:rPr lang="en-US" smtClean="0"/>
-              <a:t>8/15/2024</a:t>
+              <a:t>4/7/2025</a:t>
             </a:fld>
             <a:endParaRPr lang="en-US" dirty="0"/>
           </a:p>
@@ -10832,7 +10787,7 @@
           <a:p>
             <a:fld id="{9EA15526-7079-4B7B-987C-1B5FAE11A0FF}" type="datetime1">
               <a:rPr lang="en-US" smtClean="0"/>
-              <a:t>8/15/2024</a:t>
+              <a:t>4/7/2025</a:t>
             </a:fld>
             <a:endParaRPr lang="en-US" dirty="0"/>
           </a:p>
@@ -11067,7 +11022,7 @@
           <a:p>
             <a:fld id="{073ED0CC-082F-4160-86E5-0D6041F12778}" type="datetime1">
               <a:rPr lang="en-US" smtClean="0"/>
-              <a:t>8/15/2024</a:t>
+              <a:t>4/7/2025</a:t>
             </a:fld>
             <a:endParaRPr lang="en-US" dirty="0"/>
           </a:p>
@@ -12038,7 +11993,7 @@
             </a:br>
             <a:r>
               <a:rPr lang="en-US" sz="4800" dirty="0"/>
-              <a:t>[10] Critical Infrastructure and </a:t>
+              <a:t>[9] Critical Infrastructure and </a:t>
             </a:r>
             <a:r>
               <a:rPr lang="en-US" sz="4800" dirty="0" err="1"/>
@@ -12046,7 +12001,7 @@
             </a:r>
             <a:r>
               <a:rPr lang="en-US" sz="4800" dirty="0"/>
-              <a:t> Systems - 2</a:t>
+              <a:t> Systems</a:t>
             </a:r>
           </a:p>
         </p:txBody>
@@ -13657,165 +13612,6 @@
             <p:ph type="title"/>
           </p:nvPr>
         </p:nvSpPr>
-        <p:spPr/>
-        <p:txBody>
-          <a:bodyPr/>
-          <a:lstStyle/>
-          <a:p>
-            <a:r>
-              <a:rPr lang="en-AU" dirty="0"/>
-              <a:t>CPS Cybersecurity Mitigation</a:t>
-            </a:r>
-          </a:p>
-        </p:txBody>
-      </p:sp>
-      <p:sp>
-        <p:nvSpPr>
-          <p:cNvPr id="3" name="Content Placeholder 2">
-            <a:extLst>
-              <a:ext uri="{FF2B5EF4-FFF2-40B4-BE49-F238E27FC236}">
-                <a16:creationId xmlns:a16="http://schemas.microsoft.com/office/drawing/2014/main" id="{C29FA815-F1A1-E848-8BE0-A481039CE411}"/>
-              </a:ext>
-            </a:extLst>
-          </p:cNvPr>
-          <p:cNvSpPr>
-            <a:spLocks noGrp="1"/>
-          </p:cNvSpPr>
-          <p:nvPr>
-            <p:ph idx="1"/>
-          </p:nvPr>
-        </p:nvSpPr>
-        <p:spPr/>
-        <p:txBody>
-          <a:bodyPr>
-            <a:normAutofit/>
-          </a:bodyPr>
-          <a:lstStyle/>
-          <a:p>
-            <a:r>
-              <a:rPr lang="en-AU" b="1" dirty="0">
-                <a:effectLst/>
-              </a:rPr>
-              <a:t>Traditional protections through:</a:t>
-            </a:r>
-          </a:p>
-          <a:p>
-            <a:pPr lvl="1"/>
-            <a:r>
-              <a:rPr lang="en-AU" b="1" dirty="0">
-                <a:effectLst/>
-              </a:rPr>
-              <a:t>Firewalls</a:t>
-            </a:r>
-          </a:p>
-          <a:p>
-            <a:pPr lvl="1"/>
-            <a:r>
-              <a:rPr lang="en-AU" b="1" dirty="0">
-                <a:effectLst/>
-              </a:rPr>
-              <a:t>IDPS</a:t>
-            </a:r>
-          </a:p>
-          <a:p>
-            <a:pPr lvl="1"/>
-            <a:r>
-              <a:rPr lang="en-AU" b="1" dirty="0">
-                <a:effectLst/>
-              </a:rPr>
-              <a:t>Segregation of network</a:t>
-            </a:r>
-          </a:p>
-          <a:p>
-            <a:pPr lvl="1"/>
-            <a:r>
-              <a:rPr lang="en-AU" b="1" dirty="0">
-                <a:effectLst/>
-              </a:rPr>
-              <a:t>Access control – especially of remote access</a:t>
-            </a:r>
-          </a:p>
-          <a:p>
-            <a:r>
-              <a:rPr lang="en-AU" b="1" dirty="0">
-                <a:effectLst/>
-              </a:rPr>
-              <a:t>Closing default administration ports and changing default passwords</a:t>
-            </a:r>
-          </a:p>
-          <a:p>
-            <a:r>
-              <a:rPr lang="en-AU" b="1" dirty="0">
-                <a:effectLst/>
-              </a:rPr>
-              <a:t>Updating firmware through regular updates</a:t>
-            </a:r>
-          </a:p>
-          <a:p>
-            <a:endParaRPr lang="en-AU" dirty="0"/>
-          </a:p>
-          <a:p>
-            <a:endParaRPr lang="en-US" dirty="0"/>
-          </a:p>
-          <a:p>
-            <a:pPr marL="36900" indent="0">
-              <a:buNone/>
-            </a:pPr>
-            <a:endParaRPr lang="en-AU" dirty="0">
-              <a:effectLst/>
-            </a:endParaRPr>
-          </a:p>
-          <a:p>
-            <a:endParaRPr lang="en-AU" sz="2000" dirty="0"/>
-          </a:p>
-        </p:txBody>
-      </p:sp>
-    </p:spTree>
-    <p:extLst>
-      <p:ext uri="{BB962C8B-B14F-4D97-AF65-F5344CB8AC3E}">
-        <p14:creationId xmlns:p14="http://schemas.microsoft.com/office/powerpoint/2010/main" val="1622938597"/>
-      </p:ext>
-    </p:extLst>
-  </p:cSld>
-  <p:clrMapOvr>
-    <a:masterClrMapping/>
-  </p:clrMapOvr>
-</p:sld>
-</file>
-
-<file path=ppt/slides/slide19.xml><?xml version="1.0" encoding="utf-8"?>
-<p:sld xmlns:a="http://schemas.openxmlformats.org/drawingml/2006/main" xmlns:r="http://schemas.openxmlformats.org/officeDocument/2006/relationships" xmlns:p="http://schemas.openxmlformats.org/presentationml/2006/main">
-  <p:cSld>
-    <p:spTree>
-      <p:nvGrpSpPr>
-        <p:cNvPr id="1" name=""/>
-        <p:cNvGrpSpPr/>
-        <p:nvPr/>
-      </p:nvGrpSpPr>
-      <p:grpSpPr>
-        <a:xfrm>
-          <a:off x="0" y="0"/>
-          <a:ext cx="0" cy="0"/>
-          <a:chOff x="0" y="0"/>
-          <a:chExt cx="0" cy="0"/>
-        </a:xfrm>
-      </p:grpSpPr>
-      <p:sp>
-        <p:nvSpPr>
-          <p:cNvPr id="2" name="Title 1">
-            <a:extLst>
-              <a:ext uri="{FF2B5EF4-FFF2-40B4-BE49-F238E27FC236}">
-                <a16:creationId xmlns:a16="http://schemas.microsoft.com/office/drawing/2014/main" id="{07F6FF8C-A74B-E640-AF2F-9B4E07A213CF}"/>
-              </a:ext>
-            </a:extLst>
-          </p:cNvPr>
-          <p:cNvSpPr>
-            <a:spLocks noGrp="1"/>
-          </p:cNvSpPr>
-          <p:nvPr>
-            <p:ph type="title"/>
-          </p:nvPr>
-        </p:nvSpPr>
         <p:spPr>
           <a:xfrm>
             <a:off x="913795" y="304800"/>
@@ -13949,6 +13745,176 @@
     <p:extLst>
       <p:ext uri="{BB962C8B-B14F-4D97-AF65-F5344CB8AC3E}">
         <p14:creationId xmlns:p14="http://schemas.microsoft.com/office/powerpoint/2010/main" val="1293635912"/>
+      </p:ext>
+    </p:extLst>
+  </p:cSld>
+  <p:clrMapOvr>
+    <a:masterClrMapping/>
+  </p:clrMapOvr>
+</p:sld>
+</file>
+
+<file path=ppt/slides/slide19.xml><?xml version="1.0" encoding="utf-8"?>
+<p:sld xmlns:a="http://schemas.openxmlformats.org/drawingml/2006/main" xmlns:r="http://schemas.openxmlformats.org/officeDocument/2006/relationships" xmlns:p="http://schemas.openxmlformats.org/presentationml/2006/main">
+  <p:cSld>
+    <p:spTree>
+      <p:nvGrpSpPr>
+        <p:cNvPr id="1" name=""/>
+        <p:cNvGrpSpPr/>
+        <p:nvPr/>
+      </p:nvGrpSpPr>
+      <p:grpSpPr>
+        <a:xfrm>
+          <a:off x="0" y="0"/>
+          <a:ext cx="0" cy="0"/>
+          <a:chOff x="0" y="0"/>
+          <a:chExt cx="0" cy="0"/>
+        </a:xfrm>
+      </p:grpSpPr>
+      <p:sp>
+        <p:nvSpPr>
+          <p:cNvPr id="2" name="Title 1">
+            <a:extLst>
+              <a:ext uri="{FF2B5EF4-FFF2-40B4-BE49-F238E27FC236}">
+                <a16:creationId xmlns:a16="http://schemas.microsoft.com/office/drawing/2014/main" id="{07F6FF8C-A74B-E640-AF2F-9B4E07A213CF}"/>
+              </a:ext>
+            </a:extLst>
+          </p:cNvPr>
+          <p:cNvSpPr>
+            <a:spLocks noGrp="1"/>
+          </p:cNvSpPr>
+          <p:nvPr>
+            <p:ph type="title"/>
+          </p:nvPr>
+        </p:nvSpPr>
+        <p:spPr/>
+        <p:txBody>
+          <a:bodyPr/>
+          <a:lstStyle/>
+          <a:p>
+            <a:r>
+              <a:rPr lang="en-AU" dirty="0"/>
+              <a:t>IoT Healthcare</a:t>
+            </a:r>
+          </a:p>
+        </p:txBody>
+      </p:sp>
+      <p:sp>
+        <p:nvSpPr>
+          <p:cNvPr id="3" name="Content Placeholder 2">
+            <a:extLst>
+              <a:ext uri="{FF2B5EF4-FFF2-40B4-BE49-F238E27FC236}">
+                <a16:creationId xmlns:a16="http://schemas.microsoft.com/office/drawing/2014/main" id="{C29FA815-F1A1-E848-8BE0-A481039CE411}"/>
+              </a:ext>
+            </a:extLst>
+          </p:cNvPr>
+          <p:cNvSpPr>
+            <a:spLocks noGrp="1"/>
+          </p:cNvSpPr>
+          <p:nvPr>
+            <p:ph idx="1"/>
+          </p:nvPr>
+        </p:nvSpPr>
+        <p:spPr/>
+        <p:txBody>
+          <a:bodyPr>
+            <a:normAutofit fontScale="85000" lnSpcReduction="10000"/>
+          </a:bodyPr>
+          <a:lstStyle/>
+          <a:p>
+            <a:r>
+              <a:rPr lang="en-AU" b="1" dirty="0">
+                <a:effectLst/>
+              </a:rPr>
+              <a:t>Biggest area of use is in monitoring, including remote monitoring</a:t>
+            </a:r>
+          </a:p>
+          <a:p>
+            <a:r>
+              <a:rPr lang="en-AU" b="1" dirty="0">
+                <a:effectLst/>
+              </a:rPr>
+              <a:t>New hospitals like Fiona Stanley and Perth Children’s Hospital in Perth WA have 50,000+ sensors that monitor environment, equipment, even bedding and uniforms. Robotic pharmacies and food delivery.</a:t>
+            </a:r>
+          </a:p>
+          <a:p>
+            <a:r>
+              <a:rPr lang="en-AU" b="1" dirty="0">
+                <a:effectLst/>
+              </a:rPr>
+              <a:t>Ageing in place: allowing the elderly to stay in homes for longer</a:t>
+            </a:r>
+          </a:p>
+          <a:p>
+            <a:r>
+              <a:rPr lang="en-AU" b="1" dirty="0">
+                <a:effectLst/>
+              </a:rPr>
+              <a:t>IoT are used to establish Activities of Daily Living and detect changes from the norm</a:t>
+            </a:r>
+          </a:p>
+          <a:p>
+            <a:r>
+              <a:rPr lang="en-AU" b="1" dirty="0">
+                <a:effectLst/>
+              </a:rPr>
+              <a:t>Cardiac Implantable Electronic Devices (CIED): In the EU between 500,000 and 1 million devices a year are implanted</a:t>
+            </a:r>
+          </a:p>
+          <a:p>
+            <a:pPr lvl="1"/>
+            <a:r>
+              <a:rPr lang="en-AU" b="1" dirty="0">
+                <a:effectLst/>
+              </a:rPr>
+              <a:t>Monitor heart rate for arrythmias </a:t>
+            </a:r>
+          </a:p>
+          <a:p>
+            <a:pPr lvl="1"/>
+            <a:r>
+              <a:rPr lang="en-AU" b="1" dirty="0">
+                <a:effectLst/>
+              </a:rPr>
+              <a:t>Some are Bluetooth enabled to allow data upload to remote monitoring service</a:t>
+            </a:r>
+          </a:p>
+          <a:p>
+            <a:r>
+              <a:rPr lang="en-AU" b="1" dirty="0">
+                <a:effectLst/>
+              </a:rPr>
+              <a:t>Consumer heart monitors like Smart Watches including arrythmia detection of Apple Watch and Garmin</a:t>
+            </a:r>
+          </a:p>
+          <a:p>
+            <a:endParaRPr lang="en-AU" b="1" dirty="0">
+              <a:effectLst/>
+            </a:endParaRPr>
+          </a:p>
+          <a:p>
+            <a:endParaRPr lang="en-AU" dirty="0"/>
+          </a:p>
+          <a:p>
+            <a:endParaRPr lang="en-US" dirty="0"/>
+          </a:p>
+          <a:p>
+            <a:pPr marL="36900" indent="0">
+              <a:buNone/>
+            </a:pPr>
+            <a:endParaRPr lang="en-AU" dirty="0">
+              <a:effectLst/>
+            </a:endParaRPr>
+          </a:p>
+          <a:p>
+            <a:endParaRPr lang="en-AU" sz="2000" dirty="0"/>
+          </a:p>
+        </p:txBody>
+      </p:sp>
+    </p:spTree>
+    <p:extLst>
+      <p:ext uri="{BB962C8B-B14F-4D97-AF65-F5344CB8AC3E}">
+        <p14:creationId xmlns:p14="http://schemas.microsoft.com/office/powerpoint/2010/main" val="2191242134"/>
       </p:ext>
     </p:extLst>
   </p:cSld>
@@ -14616,7 +14582,7 @@
           <a:p>
             <a:r>
               <a:rPr lang="en-AU" dirty="0"/>
-              <a:t>IoT Healthcare</a:t>
+              <a:t>IoT Healthcare: Risks</a:t>
             </a:r>
           </a:p>
         </p:txBody>
@@ -14640,7 +14606,7 @@
         <p:spPr/>
         <p:txBody>
           <a:bodyPr>
-            <a:normAutofit fontScale="85000" lnSpcReduction="10000"/>
+            <a:normAutofit fontScale="92500"/>
           </a:bodyPr>
           <a:lstStyle/>
           <a:p>
@@ -14648,7 +14614,7 @@
               <a:rPr lang="en-AU" b="1" dirty="0">
                 <a:effectLst/>
               </a:rPr>
-              <a:t>Biggest area of use is in monitoring, including remote monitoring</a:t>
+              <a:t>Privacy is probably the biggest risk with these devices</a:t>
             </a:r>
           </a:p>
           <a:p>
@@ -14656,15 +14622,20 @@
               <a:rPr lang="en-AU" b="1" dirty="0">
                 <a:effectLst/>
               </a:rPr>
-              <a:t>New hospitals like Fiona Stanley and Perth Children’s Hospital in Perth WA have 50,000+ sensors that monitor environment, equipment, even bedding and uniforms. Robotic pharmacies and food delivery.</a:t>
-            </a:r>
-          </a:p>
-          <a:p>
+              <a:t>The ability to interfere with commands for insulin pumps or CIEDs to deliver fatal doses of insulin or an excessive charge (</a:t>
+            </a:r>
+            <a:r>
+              <a:rPr lang="en-AU" sz="1400" b="1" dirty="0">
+                <a:effectLst/>
+                <a:hlinkClick r:id="rId3"/>
+              </a:rPr>
+              <a:t>https://www.blackhat.com/us-18/briefings/schedule/#understanding-and-exploiting-implanted-medical-devices-11733</a:t>
+            </a:r>
             <a:r>
               <a:rPr lang="en-AU" b="1" dirty="0">
                 <a:effectLst/>
               </a:rPr>
-              <a:t>Ageing in place: allowing the elderly to stay in homes for longer</a:t>
+              <a:t>)</a:t>
             </a:r>
           </a:p>
           <a:p>
@@ -14672,7 +14643,7 @@
               <a:rPr lang="en-AU" b="1" dirty="0">
                 <a:effectLst/>
               </a:rPr>
-              <a:t>IoT are used to establish Activities of Daily Living and detect changes from the norm</a:t>
+              <a:t>Remote installation of firmware on devices</a:t>
             </a:r>
           </a:p>
           <a:p>
@@ -14680,33 +14651,23 @@
               <a:rPr lang="en-AU" b="1" dirty="0">
                 <a:effectLst/>
               </a:rPr>
-              <a:t>Cardiac Implantable Electronic Devices (CIED): In the EU between 500,000 and 1 million devices a year are implanted</a:t>
-            </a:r>
-          </a:p>
-          <a:p>
-            <a:pPr lvl="1"/>
+              <a:t>Attack software on phones or computer that allow data to be stolen, commands to be issued</a:t>
+            </a:r>
+          </a:p>
+          <a:p>
             <a:r>
               <a:rPr lang="en-AU" b="1" dirty="0">
                 <a:effectLst/>
               </a:rPr>
-              <a:t>Monitor heart rate for arrythmias </a:t>
-            </a:r>
-          </a:p>
-          <a:p>
-            <a:pPr lvl="1"/>
+              <a:t>Falsification of vital signs from monitors</a:t>
+            </a:r>
+          </a:p>
+          <a:p>
             <a:r>
               <a:rPr lang="en-AU" b="1" dirty="0">
                 <a:effectLst/>
               </a:rPr>
-              <a:t>Some are Bluetooth enabled to allow data upload to remote monitoring service</a:t>
-            </a:r>
-          </a:p>
-          <a:p>
-            <a:r>
-              <a:rPr lang="en-AU" b="1" dirty="0">
-                <a:effectLst/>
-              </a:rPr>
-              <a:t>Consumer heart monitors like Smart Watches including arrythmia detection of Apple Watch and Garmin</a:t>
+              <a:t>Adversarial attacks on machine learning algorithms </a:t>
             </a:r>
           </a:p>
           <a:p>
@@ -14736,7 +14697,7 @@
     </p:spTree>
     <p:extLst>
       <p:ext uri="{BB962C8B-B14F-4D97-AF65-F5344CB8AC3E}">
-        <p14:creationId xmlns:p14="http://schemas.microsoft.com/office/powerpoint/2010/main" val="2191242134"/>
+        <p14:creationId xmlns:p14="http://schemas.microsoft.com/office/powerpoint/2010/main" val="1113189726"/>
       </p:ext>
     </p:extLst>
   </p:cSld>
@@ -14786,7 +14747,7 @@
           <a:p>
             <a:r>
               <a:rPr lang="en-AU" dirty="0"/>
-              <a:t>IoT Healthcare: Risks</a:t>
+              <a:t>IoT Healthcare: Mitigations</a:t>
             </a:r>
           </a:p>
         </p:txBody>
@@ -14810,7 +14771,7 @@
         <p:spPr/>
         <p:txBody>
           <a:bodyPr>
-            <a:normAutofit fontScale="92500"/>
+            <a:normAutofit/>
           </a:bodyPr>
           <a:lstStyle/>
           <a:p>
@@ -14818,7 +14779,7 @@
               <a:rPr lang="en-AU" b="1" dirty="0">
                 <a:effectLst/>
               </a:rPr>
-              <a:t>Privacy is probably the biggest risk with these devices</a:t>
+              <a:t>Manufacturers of healthcare devices are becoming more aware of security in their products</a:t>
             </a:r>
           </a:p>
           <a:p>
@@ -14826,20 +14787,15 @@
               <a:rPr lang="en-AU" b="1" dirty="0">
                 <a:effectLst/>
               </a:rPr>
-              <a:t>The ability to interfere with commands for insulin pumps or CIEDs to deliver fatal doses of insulin or an excessive charge (</a:t>
-            </a:r>
-            <a:r>
-              <a:rPr lang="en-AU" sz="1400" b="1" dirty="0">
-                <a:effectLst/>
-                <a:hlinkClick r:id="rId3"/>
-              </a:rPr>
-              <a:t>https://www.blackhat.com/us-18/briefings/schedule/#understanding-and-exploiting-implanted-medical-devices-11733</a:t>
-            </a:r>
+              <a:t>No longer dependent on network isolation or obscure protocols</a:t>
+            </a:r>
+          </a:p>
+          <a:p>
             <a:r>
               <a:rPr lang="en-AU" b="1" dirty="0">
                 <a:effectLst/>
               </a:rPr>
-              <a:t>)</a:t>
+              <a:t>Implementation of encryption and authentication on devices</a:t>
             </a:r>
           </a:p>
           <a:p>
@@ -14847,7 +14803,7 @@
               <a:rPr lang="en-AU" b="1" dirty="0">
                 <a:effectLst/>
               </a:rPr>
-              <a:t>Remote installation of firmware on devices</a:t>
+              <a:t>Protection against ransomware attacks and applying other more general IT cybersecurity controls</a:t>
             </a:r>
           </a:p>
           <a:p>
@@ -14855,23 +14811,7 @@
               <a:rPr lang="en-AU" b="1" dirty="0">
                 <a:effectLst/>
               </a:rPr>
-              <a:t>Attack software on phones or computer that allow data to be stolen, commands to be issued</a:t>
-            </a:r>
-          </a:p>
-          <a:p>
-            <a:r>
-              <a:rPr lang="en-AU" b="1" dirty="0">
-                <a:effectLst/>
-              </a:rPr>
-              <a:t>Falsification of vital signs from monitors</a:t>
-            </a:r>
-          </a:p>
-          <a:p>
-            <a:r>
-              <a:rPr lang="en-AU" b="1" dirty="0">
-                <a:effectLst/>
-              </a:rPr>
-              <a:t>Adversarial attacks on machine learning algorithms </a:t>
+              <a:t>Privacy protection through various means: differential privacy, homomorphic encryption, privacy spaces with edge devices (see Privacy lecture)</a:t>
             </a:r>
           </a:p>
           <a:p>
@@ -14901,7 +14841,7 @@
     </p:spTree>
     <p:extLst>
       <p:ext uri="{BB962C8B-B14F-4D97-AF65-F5344CB8AC3E}">
-        <p14:creationId xmlns:p14="http://schemas.microsoft.com/office/powerpoint/2010/main" val="1113189726"/>
+        <p14:creationId xmlns:p14="http://schemas.microsoft.com/office/powerpoint/2010/main" val="1770937831"/>
       </p:ext>
     </p:extLst>
   </p:cSld>
@@ -14951,7 +14891,7 @@
           <a:p>
             <a:r>
               <a:rPr lang="en-AU" dirty="0"/>
-              <a:t>IoT Healthcare: Mitigations</a:t>
+              <a:t>Cars</a:t>
             </a:r>
           </a:p>
         </p:txBody>
@@ -14975,7 +14915,7 @@
         <p:spPr/>
         <p:txBody>
           <a:bodyPr>
-            <a:normAutofit/>
+            <a:normAutofit fontScale="92500"/>
           </a:bodyPr>
           <a:lstStyle/>
           <a:p>
@@ -14983,7 +14923,7 @@
               <a:rPr lang="en-AU" b="1" dirty="0">
                 <a:effectLst/>
               </a:rPr>
-              <a:t>Manufacturers of healthcare devices are becoming more aware of security in their products</a:t>
+              <a:t>Modern cars may have 70+ electronic control units (ECU). Semi-autonomous cars like the Tesla also have ECUs (computers) to manage the self-driving. There is also a media control unit (MCU)</a:t>
             </a:r>
           </a:p>
           <a:p>
@@ -14991,7 +14931,7 @@
               <a:rPr lang="en-AU" b="1" dirty="0">
                 <a:effectLst/>
               </a:rPr>
-              <a:t>No longer dependent on network isolation or obscure protocols</a:t>
+              <a:t>Communication in the car is via one or more CAN bus (Controller Area Network): control over engine and safety systems, one for lighting, user experience, one for parking systems, cruise control, lane guidance</a:t>
             </a:r>
           </a:p>
           <a:p>
@@ -14999,7 +14939,7 @@
               <a:rPr lang="en-AU" b="1" dirty="0">
                 <a:effectLst/>
               </a:rPr>
-              <a:t>Implementation of encryption and authentication on devices</a:t>
+              <a:t>CAN does not use encryption but has a Cyclic Redundancy Check (CRC) for message integrity</a:t>
             </a:r>
           </a:p>
           <a:p>
@@ -15007,7 +14947,7 @@
               <a:rPr lang="en-AU" b="1" dirty="0">
                 <a:effectLst/>
               </a:rPr>
-              <a:t>Protection against ransomware attacks and applying other more general IT cybersecurity controls</a:t>
+              <a:t>Can access the CAN via the On-Board Diagnostic (OBD) port</a:t>
             </a:r>
           </a:p>
           <a:p>
@@ -15015,7 +14955,7 @@
               <a:rPr lang="en-AU" b="1" dirty="0">
                 <a:effectLst/>
               </a:rPr>
-              <a:t>Privacy protection through various means: differential privacy, homomorphic encryption, privacy spaces with edge devices (see Privacy lecture)</a:t>
+              <a:t>Cars are now also internet connected for remote monitoring against breakdowns, theft and there are remote control facilities available</a:t>
             </a:r>
           </a:p>
           <a:p>
@@ -15045,7 +14985,7 @@
     </p:spTree>
     <p:extLst>
       <p:ext uri="{BB962C8B-B14F-4D97-AF65-F5344CB8AC3E}">
-        <p14:creationId xmlns:p14="http://schemas.microsoft.com/office/powerpoint/2010/main" val="1770937831"/>
+        <p14:creationId xmlns:p14="http://schemas.microsoft.com/office/powerpoint/2010/main" val="338330801"/>
       </p:ext>
     </p:extLst>
   </p:cSld>
@@ -15095,7 +15035,7 @@
           <a:p>
             <a:r>
               <a:rPr lang="en-AU" dirty="0"/>
-              <a:t>Cars</a:t>
+              <a:t>Cars: Risks</a:t>
             </a:r>
           </a:p>
         </p:txBody>
@@ -15119,7 +15059,7 @@
         <p:spPr/>
         <p:txBody>
           <a:bodyPr>
-            <a:normAutofit fontScale="92500"/>
+            <a:normAutofit fontScale="77500" lnSpcReduction="20000"/>
           </a:bodyPr>
           <a:lstStyle/>
           <a:p>
@@ -15127,7 +15067,7 @@
               <a:rPr lang="en-AU" b="1" dirty="0">
                 <a:effectLst/>
               </a:rPr>
-              <a:t>Modern cars may have 70+ electronic control units (ECU). Semi-autonomous cars like the Tesla also have ECUs (computers) to manage the self-driving. There is also a media control unit (MCU)</a:t>
+              <a:t>Wireless key spoofing or other forms of attack to enter the vehicle and start the car</a:t>
             </a:r>
           </a:p>
           <a:p>
@@ -15135,7 +15075,7 @@
               <a:rPr lang="en-AU" b="1" dirty="0">
                 <a:effectLst/>
               </a:rPr>
-              <a:t>Communication in the car is via one or more CAN bus (Controller Area Network): control over engine and safety systems, one for lighting, user experience, one for parking systems, cruise control, lane guidance</a:t>
+              <a:t>Spoofing sensors: e.g. 2010 researchers showed the ability to attack the Tire pressure monitoring systems of cars</a:t>
             </a:r>
           </a:p>
           <a:p>
@@ -15143,7 +15083,7 @@
               <a:rPr lang="en-AU" b="1" dirty="0">
                 <a:effectLst/>
               </a:rPr>
-              <a:t>CAN does not use encryption but has a Cyclic Redundancy Check (CRC) for message integrity</a:t>
+              <a:t>Denial of service via OBD</a:t>
             </a:r>
           </a:p>
           <a:p>
@@ -15151,15 +15091,99 @@
               <a:rPr lang="en-AU" b="1" dirty="0">
                 <a:effectLst/>
               </a:rPr>
-              <a:t>Can access the CAN via the On-Board Diagnostic (OBD) port</a:t>
-            </a:r>
-          </a:p>
-          <a:p>
+              <a:t>Remotely controlling accelerator, breaks and steering (two hackers Miller and </a:t>
+            </a:r>
+            <a:r>
+              <a:rPr lang="en-AU" b="1" dirty="0" err="1">
+                <a:effectLst/>
+              </a:rPr>
+              <a:t>Valasek</a:t>
+            </a:r>
             <a:r>
               <a:rPr lang="en-AU" b="1" dirty="0">
                 <a:effectLst/>
               </a:rPr>
-              <a:t>Cars are now also internet connected for remote monitoring against breakdowns, theft and there are remote control facilities available</a:t>
+              <a:t> in 2016 on a Jeep Cherokee) – in one attack they wirelessly accessed the CAN bus and put the ECU into </a:t>
+            </a:r>
+            <a:r>
+              <a:rPr lang="en-AU" b="1" dirty="0" err="1">
+                <a:effectLst/>
+              </a:rPr>
+              <a:t>bootrom</a:t>
+            </a:r>
+            <a:r>
+              <a:rPr lang="en-AU" b="1" dirty="0">
+                <a:effectLst/>
+              </a:rPr>
+              <a:t> mode.</a:t>
+            </a:r>
+          </a:p>
+          <a:p>
+            <a:r>
+              <a:rPr lang="en-AU" b="1" dirty="0">
+                <a:effectLst/>
+              </a:rPr>
+              <a:t>Disabling safety systems</a:t>
+            </a:r>
+          </a:p>
+          <a:p>
+            <a:r>
+              <a:rPr lang="en-AU" b="1" dirty="0">
+                <a:effectLst/>
+              </a:rPr>
+              <a:t>Hacks on the remote monitoring systems such as OnStar</a:t>
+            </a:r>
+          </a:p>
+          <a:p>
+            <a:r>
+              <a:rPr lang="en-AU" b="1" dirty="0">
+                <a:effectLst/>
+              </a:rPr>
+              <a:t>Accessing private information such as location data</a:t>
+            </a:r>
+          </a:p>
+          <a:p>
+            <a:r>
+              <a:rPr lang="en-AU" b="1" dirty="0">
+                <a:effectLst/>
+              </a:rPr>
+              <a:t>Reading: </a:t>
+            </a:r>
+            <a:r>
+              <a:rPr lang="en-AU" b="1" dirty="0" err="1">
+                <a:effectLst/>
+              </a:rPr>
+              <a:t>Bozdal</a:t>
+            </a:r>
+            <a:r>
+              <a:rPr lang="en-AU" b="1" dirty="0">
+                <a:effectLst/>
+              </a:rPr>
+              <a:t>, et al (2020) Evaluation of CAN Bus Security Challenges https://</a:t>
+            </a:r>
+            <a:r>
+              <a:rPr lang="en-AU" b="1" dirty="0" err="1">
+                <a:effectLst/>
+              </a:rPr>
+              <a:t>www.ncbi.nlm.nih.gov</a:t>
+            </a:r>
+            <a:r>
+              <a:rPr lang="en-AU" b="1" dirty="0">
+                <a:effectLst/>
+              </a:rPr>
+              <a:t>/</a:t>
+            </a:r>
+            <a:r>
+              <a:rPr lang="en-AU" b="1" dirty="0" err="1">
+                <a:effectLst/>
+              </a:rPr>
+              <a:t>pmc</a:t>
+            </a:r>
+            <a:r>
+              <a:rPr lang="en-AU" b="1" dirty="0">
+                <a:effectLst/>
+              </a:rPr>
+              <a:t>/articles/PMC7219335/</a:t>
             </a:r>
           </a:p>
           <a:p>
@@ -15189,7 +15213,7 @@
     </p:spTree>
     <p:extLst>
       <p:ext uri="{BB962C8B-B14F-4D97-AF65-F5344CB8AC3E}">
-        <p14:creationId xmlns:p14="http://schemas.microsoft.com/office/powerpoint/2010/main" val="338330801"/>
+        <p14:creationId xmlns:p14="http://schemas.microsoft.com/office/powerpoint/2010/main" val="189522420"/>
       </p:ext>
     </p:extLst>
   </p:cSld>
@@ -15239,234 +15263,6 @@
           <a:p>
             <a:r>
               <a:rPr lang="en-AU" dirty="0"/>
-              <a:t>Cars: Risks</a:t>
-            </a:r>
-          </a:p>
-        </p:txBody>
-      </p:sp>
-      <p:sp>
-        <p:nvSpPr>
-          <p:cNvPr id="3" name="Content Placeholder 2">
-            <a:extLst>
-              <a:ext uri="{FF2B5EF4-FFF2-40B4-BE49-F238E27FC236}">
-                <a16:creationId xmlns:a16="http://schemas.microsoft.com/office/drawing/2014/main" id="{C29FA815-F1A1-E848-8BE0-A481039CE411}"/>
-              </a:ext>
-            </a:extLst>
-          </p:cNvPr>
-          <p:cNvSpPr>
-            <a:spLocks noGrp="1"/>
-          </p:cNvSpPr>
-          <p:nvPr>
-            <p:ph idx="1"/>
-          </p:nvPr>
-        </p:nvSpPr>
-        <p:spPr/>
-        <p:txBody>
-          <a:bodyPr>
-            <a:normAutofit fontScale="77500" lnSpcReduction="20000"/>
-          </a:bodyPr>
-          <a:lstStyle/>
-          <a:p>
-            <a:r>
-              <a:rPr lang="en-AU" b="1" dirty="0">
-                <a:effectLst/>
-              </a:rPr>
-              <a:t>Wireless key spoofing or other forms of attack to enter the vehicle and start the car</a:t>
-            </a:r>
-          </a:p>
-          <a:p>
-            <a:r>
-              <a:rPr lang="en-AU" b="1" dirty="0">
-                <a:effectLst/>
-              </a:rPr>
-              <a:t>Spoofing sensors: e.g. 2010 researchers showed the ability to attack the Tire pressure monitoring systems of cars</a:t>
-            </a:r>
-          </a:p>
-          <a:p>
-            <a:r>
-              <a:rPr lang="en-AU" b="1" dirty="0">
-                <a:effectLst/>
-              </a:rPr>
-              <a:t>Denial of service via OBD</a:t>
-            </a:r>
-          </a:p>
-          <a:p>
-            <a:r>
-              <a:rPr lang="en-AU" b="1" dirty="0">
-                <a:effectLst/>
-              </a:rPr>
-              <a:t>Remotely controlling accelerator, breaks and steering (two hackers Miller and </a:t>
-            </a:r>
-            <a:r>
-              <a:rPr lang="en-AU" b="1" dirty="0" err="1">
-                <a:effectLst/>
-              </a:rPr>
-              <a:t>Valasek</a:t>
-            </a:r>
-            <a:r>
-              <a:rPr lang="en-AU" b="1" dirty="0">
-                <a:effectLst/>
-              </a:rPr>
-              <a:t> in 2016 on a Jeep Cherokee) – in one attack they wirelessly accessed the CAN bus and put the ECU into </a:t>
-            </a:r>
-            <a:r>
-              <a:rPr lang="en-AU" b="1" dirty="0" err="1">
-                <a:effectLst/>
-              </a:rPr>
-              <a:t>bootrom</a:t>
-            </a:r>
-            <a:r>
-              <a:rPr lang="en-AU" b="1" dirty="0">
-                <a:effectLst/>
-              </a:rPr>
-              <a:t> mode.</a:t>
-            </a:r>
-          </a:p>
-          <a:p>
-            <a:r>
-              <a:rPr lang="en-AU" b="1" dirty="0">
-                <a:effectLst/>
-              </a:rPr>
-              <a:t>Disabling safety systems</a:t>
-            </a:r>
-          </a:p>
-          <a:p>
-            <a:r>
-              <a:rPr lang="en-AU" b="1" dirty="0">
-                <a:effectLst/>
-              </a:rPr>
-              <a:t>Hacks on the remote monitoring systems such as OnStar</a:t>
-            </a:r>
-          </a:p>
-          <a:p>
-            <a:r>
-              <a:rPr lang="en-AU" b="1" dirty="0">
-                <a:effectLst/>
-              </a:rPr>
-              <a:t>Accessing private information such as location data</a:t>
-            </a:r>
-          </a:p>
-          <a:p>
-            <a:r>
-              <a:rPr lang="en-AU" b="1" dirty="0">
-                <a:effectLst/>
-              </a:rPr>
-              <a:t>Reading: </a:t>
-            </a:r>
-            <a:r>
-              <a:rPr lang="en-AU" b="1" dirty="0" err="1">
-                <a:effectLst/>
-              </a:rPr>
-              <a:t>Bozdal</a:t>
-            </a:r>
-            <a:r>
-              <a:rPr lang="en-AU" b="1" dirty="0">
-                <a:effectLst/>
-              </a:rPr>
-              <a:t>, et al (2020) Evaluation of CAN Bus Security Challenges https://</a:t>
-            </a:r>
-            <a:r>
-              <a:rPr lang="en-AU" b="1" dirty="0" err="1">
-                <a:effectLst/>
-              </a:rPr>
-              <a:t>www.ncbi.nlm.nih.gov</a:t>
-            </a:r>
-            <a:r>
-              <a:rPr lang="en-AU" b="1" dirty="0">
-                <a:effectLst/>
-              </a:rPr>
-              <a:t>/</a:t>
-            </a:r>
-            <a:r>
-              <a:rPr lang="en-AU" b="1" dirty="0" err="1">
-                <a:effectLst/>
-              </a:rPr>
-              <a:t>pmc</a:t>
-            </a:r>
-            <a:r>
-              <a:rPr lang="en-AU" b="1" dirty="0">
-                <a:effectLst/>
-              </a:rPr>
-              <a:t>/articles/PMC7219335/</a:t>
-            </a:r>
-          </a:p>
-          <a:p>
-            <a:endParaRPr lang="en-AU" b="1" dirty="0">
-              <a:effectLst/>
-            </a:endParaRPr>
-          </a:p>
-          <a:p>
-            <a:endParaRPr lang="en-AU" dirty="0"/>
-          </a:p>
-          <a:p>
-            <a:endParaRPr lang="en-US" dirty="0"/>
-          </a:p>
-          <a:p>
-            <a:pPr marL="36900" indent="0">
-              <a:buNone/>
-            </a:pPr>
-            <a:endParaRPr lang="en-AU" dirty="0">
-              <a:effectLst/>
-            </a:endParaRPr>
-          </a:p>
-          <a:p>
-            <a:endParaRPr lang="en-AU" sz="2000" dirty="0"/>
-          </a:p>
-        </p:txBody>
-      </p:sp>
-    </p:spTree>
-    <p:extLst>
-      <p:ext uri="{BB962C8B-B14F-4D97-AF65-F5344CB8AC3E}">
-        <p14:creationId xmlns:p14="http://schemas.microsoft.com/office/powerpoint/2010/main" val="189522420"/>
-      </p:ext>
-    </p:extLst>
-  </p:cSld>
-  <p:clrMapOvr>
-    <a:masterClrMapping/>
-  </p:clrMapOvr>
-</p:sld>
-</file>
-
-<file path=ppt/slides/slide25.xml><?xml version="1.0" encoding="utf-8"?>
-<p:sld xmlns:a="http://schemas.openxmlformats.org/drawingml/2006/main" xmlns:r="http://schemas.openxmlformats.org/officeDocument/2006/relationships" xmlns:p="http://schemas.openxmlformats.org/presentationml/2006/main">
-  <p:cSld>
-    <p:spTree>
-      <p:nvGrpSpPr>
-        <p:cNvPr id="1" name=""/>
-        <p:cNvGrpSpPr/>
-        <p:nvPr/>
-      </p:nvGrpSpPr>
-      <p:grpSpPr>
-        <a:xfrm>
-          <a:off x="0" y="0"/>
-          <a:ext cx="0" cy="0"/>
-          <a:chOff x="0" y="0"/>
-          <a:chExt cx="0" cy="0"/>
-        </a:xfrm>
-      </p:grpSpPr>
-      <p:sp>
-        <p:nvSpPr>
-          <p:cNvPr id="2" name="Title 1">
-            <a:extLst>
-              <a:ext uri="{FF2B5EF4-FFF2-40B4-BE49-F238E27FC236}">
-                <a16:creationId xmlns:a16="http://schemas.microsoft.com/office/drawing/2014/main" id="{07F6FF8C-A74B-E640-AF2F-9B4E07A213CF}"/>
-              </a:ext>
-            </a:extLst>
-          </p:cNvPr>
-          <p:cNvSpPr>
-            <a:spLocks noGrp="1"/>
-          </p:cNvSpPr>
-          <p:nvPr>
-            <p:ph type="title"/>
-          </p:nvPr>
-        </p:nvSpPr>
-        <p:spPr/>
-        <p:txBody>
-          <a:bodyPr/>
-          <a:lstStyle/>
-          <a:p>
-            <a:r>
-              <a:rPr lang="en-AU" dirty="0"/>
               <a:t>Cars: Mitigations</a:t>
             </a:r>
           </a:p>
@@ -15579,7 +15375,7 @@
 </p:sld>
 </file>
 
-<file path=ppt/slides/slide26.xml><?xml version="1.0" encoding="utf-8"?>
+<file path=ppt/slides/slide25.xml><?xml version="1.0" encoding="utf-8"?>
 <p:sld xmlns:a="http://schemas.openxmlformats.org/drawingml/2006/main" xmlns:r="http://schemas.openxmlformats.org/officeDocument/2006/relationships" xmlns:p="http://schemas.openxmlformats.org/presentationml/2006/main">
   <p:cSld>
     <p:spTree>
